--- a/fig/array_layout.pptx
+++ b/fig/array_layout.pptx
@@ -9156,8 +9156,8 @@
         </p:nvSpPr>
         <p:spPr>
           <a:xfrm>
-            <a:off x="4894635" y="1573462"/>
-            <a:ext cx="3262432" cy="369332"/>
+            <a:off x="4906897" y="1583973"/>
+            <a:ext cx="3544560" cy="646331"/>
           </a:xfrm>
           <a:prstGeom prst="rect">
             <a:avLst/>
@@ -9165,7 +9165,7 @@
           <a:noFill/>
         </p:spPr>
         <p:txBody>
-          <a:bodyPr wrap="none" rtlCol="0">
+          <a:bodyPr wrap="square" numCol="8" rtlCol="0">
             <a:spAutoFit/>
           </a:bodyPr>
           <a:lstStyle/>
@@ -9203,7 +9203,7 @@
                 <a:uFillTx/>
                 <a:latin typeface="Century Schoolbook" panose="02040604050505020304"/>
               </a:rPr>
-              <a:t>0     1     2    3    4     5    6     7</a:t>
+              <a:t>0	1	2	3	4	5	6	7</a:t>
             </a:r>
           </a:p>
         </p:txBody>
